--- a/ITI/HIE-Whitepaper/images/Which_Infrastructure_to_use.pptx
+++ b/ITI/HIE-Whitepaper/images/Which_Infrastructure_to_use.pptx
@@ -107,6 +107,11 @@
       </a:defRPr>
     </a:lvl9pPr>
   </p:defaultTextStyle>
+  <p:extLst>
+    <p:ext uri="{EFAFB233-063F-42B5-8137-9DF3F51BA10A}">
+      <p15:sldGuideLst xmlns:p15="http://schemas.microsoft.com/office/powerpoint/2012/main"/>
+    </p:ext>
+  </p:extLst>
 </p:presentation>
 </file>
 
@@ -192,7 +197,7 @@
           <a:p>
             <a:fld id="{C5D68E1A-6454-43E3-9A17-E0F4A0819BB8}" type="datetimeFigureOut">
               <a:rPr lang="en-US" smtClean="0"/>
-              <a:t>8/31/2020</a:t>
+              <a:t>2/18/2021</a:t>
             </a:fld>
             <a:endParaRPr lang="en-US"/>
           </a:p>
@@ -802,7 +807,7 @@
           <a:p>
             <a:fld id="{FDD38238-379D-4DEC-AC6D-7CD829CFEFE1}" type="datetimeFigureOut">
               <a:rPr lang="en-US" smtClean="0"/>
-              <a:t>8/31/2020</a:t>
+              <a:t>2/18/2021</a:t>
             </a:fld>
             <a:endParaRPr lang="en-US"/>
           </a:p>
@@ -1000,7 +1005,7 @@
           <a:p>
             <a:fld id="{FDD38238-379D-4DEC-AC6D-7CD829CFEFE1}" type="datetimeFigureOut">
               <a:rPr lang="en-US" smtClean="0"/>
-              <a:t>8/31/2020</a:t>
+              <a:t>2/18/2021</a:t>
             </a:fld>
             <a:endParaRPr lang="en-US"/>
           </a:p>
@@ -1208,7 +1213,7 @@
           <a:p>
             <a:fld id="{FDD38238-379D-4DEC-AC6D-7CD829CFEFE1}" type="datetimeFigureOut">
               <a:rPr lang="en-US" smtClean="0"/>
-              <a:t>8/31/2020</a:t>
+              <a:t>2/18/2021</a:t>
             </a:fld>
             <a:endParaRPr lang="en-US"/>
           </a:p>
@@ -1406,7 +1411,7 @@
           <a:p>
             <a:fld id="{FDD38238-379D-4DEC-AC6D-7CD829CFEFE1}" type="datetimeFigureOut">
               <a:rPr lang="en-US" smtClean="0"/>
-              <a:t>8/31/2020</a:t>
+              <a:t>2/18/2021</a:t>
             </a:fld>
             <a:endParaRPr lang="en-US"/>
           </a:p>
@@ -1681,7 +1686,7 @@
           <a:p>
             <a:fld id="{FDD38238-379D-4DEC-AC6D-7CD829CFEFE1}" type="datetimeFigureOut">
               <a:rPr lang="en-US" smtClean="0"/>
-              <a:t>8/31/2020</a:t>
+              <a:t>2/18/2021</a:t>
             </a:fld>
             <a:endParaRPr lang="en-US"/>
           </a:p>
@@ -1946,7 +1951,7 @@
           <a:p>
             <a:fld id="{FDD38238-379D-4DEC-AC6D-7CD829CFEFE1}" type="datetimeFigureOut">
               <a:rPr lang="en-US" smtClean="0"/>
-              <a:t>8/31/2020</a:t>
+              <a:t>2/18/2021</a:t>
             </a:fld>
             <a:endParaRPr lang="en-US"/>
           </a:p>
@@ -2358,7 +2363,7 @@
           <a:p>
             <a:fld id="{FDD38238-379D-4DEC-AC6D-7CD829CFEFE1}" type="datetimeFigureOut">
               <a:rPr lang="en-US" smtClean="0"/>
-              <a:t>8/31/2020</a:t>
+              <a:t>2/18/2021</a:t>
             </a:fld>
             <a:endParaRPr lang="en-US"/>
           </a:p>
@@ -2499,7 +2504,7 @@
           <a:p>
             <a:fld id="{FDD38238-379D-4DEC-AC6D-7CD829CFEFE1}" type="datetimeFigureOut">
               <a:rPr lang="en-US" smtClean="0"/>
-              <a:t>8/31/2020</a:t>
+              <a:t>2/18/2021</a:t>
             </a:fld>
             <a:endParaRPr lang="en-US"/>
           </a:p>
@@ -2612,7 +2617,7 @@
           <a:p>
             <a:fld id="{FDD38238-379D-4DEC-AC6D-7CD829CFEFE1}" type="datetimeFigureOut">
               <a:rPr lang="en-US" smtClean="0"/>
-              <a:t>8/31/2020</a:t>
+              <a:t>2/18/2021</a:t>
             </a:fld>
             <a:endParaRPr lang="en-US"/>
           </a:p>
@@ -2923,7 +2928,7 @@
           <a:p>
             <a:fld id="{FDD38238-379D-4DEC-AC6D-7CD829CFEFE1}" type="datetimeFigureOut">
               <a:rPr lang="en-US" smtClean="0"/>
-              <a:t>8/31/2020</a:t>
+              <a:t>2/18/2021</a:t>
             </a:fld>
             <a:endParaRPr lang="en-US"/>
           </a:p>
@@ -3211,7 +3216,7 @@
           <a:p>
             <a:fld id="{FDD38238-379D-4DEC-AC6D-7CD829CFEFE1}" type="datetimeFigureOut">
               <a:rPr lang="en-US" smtClean="0"/>
-              <a:t>8/31/2020</a:t>
+              <a:t>2/18/2021</a:t>
             </a:fld>
             <a:endParaRPr lang="en-US"/>
           </a:p>
@@ -3452,7 +3457,7 @@
           <a:p>
             <a:fld id="{FDD38238-379D-4DEC-AC6D-7CD829CFEFE1}" type="datetimeFigureOut">
               <a:rPr lang="en-US" smtClean="0"/>
-              <a:t>8/31/2020</a:t>
+              <a:t>2/18/2021</a:t>
             </a:fld>
             <a:endParaRPr lang="en-US"/>
           </a:p>
@@ -3871,788 +3876,20 @@
       </p:grpSpPr>
       <p:sp>
         <p:nvSpPr>
-          <p:cNvPr id="2" name="Title 1">
-            <a:extLst>
-              <a:ext uri="{FF2B5EF4-FFF2-40B4-BE49-F238E27FC236}">
-                <a16:creationId xmlns:a16="http://schemas.microsoft.com/office/drawing/2014/main" id="{661823CE-117C-4110-9E5F-E3175BAB96FA}"/>
-              </a:ext>
-            </a:extLst>
-          </p:cNvPr>
-          <p:cNvSpPr>
-            <a:spLocks noGrp="1"/>
-          </p:cNvSpPr>
-          <p:nvPr>
-            <p:ph type="title"/>
-          </p:nvPr>
+          <p:cNvPr id="46" name="Rectangle 45">
+            <a:extLst>
+              <a:ext uri="{FF2B5EF4-FFF2-40B4-BE49-F238E27FC236}">
+                <a16:creationId xmlns:a16="http://schemas.microsoft.com/office/drawing/2014/main" id="{0A226BDE-7D34-49A1-81E1-4AEA5E0688A4}"/>
+              </a:ext>
+            </a:extLst>
+          </p:cNvPr>
+          <p:cNvSpPr/>
+          <p:nvPr/>
         </p:nvSpPr>
         <p:spPr>
           <a:xfrm>
-            <a:off x="838200" y="365126"/>
-            <a:ext cx="10880834" cy="671274"/>
-          </a:xfrm>
-        </p:spPr>
-        <p:txBody>
-          <a:bodyPr>
-            <a:normAutofit fontScale="90000"/>
-          </a:bodyPr>
-          <a:lstStyle/>
-          <a:p>
-            <a:r>
-              <a:rPr lang="en-US" dirty="0"/>
-              <a:t>Which Infrastructure to use?</a:t>
-            </a:r>
-          </a:p>
-        </p:txBody>
-      </p:sp>
-      <p:sp>
-        <p:nvSpPr>
-          <p:cNvPr id="4" name="Slide Number Placeholder 3">
-            <a:extLst>
-              <a:ext uri="{FF2B5EF4-FFF2-40B4-BE49-F238E27FC236}">
-                <a16:creationId xmlns:a16="http://schemas.microsoft.com/office/drawing/2014/main" id="{222EA956-56C4-47DB-9203-C58832E351BF}"/>
-              </a:ext>
-            </a:extLst>
-          </p:cNvPr>
-          <p:cNvSpPr>
-            <a:spLocks noGrp="1"/>
-          </p:cNvSpPr>
-          <p:nvPr>
-            <p:ph type="sldNum" sz="quarter" idx="12"/>
-          </p:nvPr>
-        </p:nvSpPr>
-        <p:spPr>
-          <a:xfrm>
-            <a:off x="8610600" y="6196904"/>
-            <a:ext cx="2743200" cy="365125"/>
-          </a:xfrm>
-        </p:spPr>
-        <p:txBody>
-          <a:bodyPr/>
-          <a:lstStyle/>
-          <a:p>
-            <a:pPr>
-              <a:defRPr/>
-            </a:pPr>
-            <a:fld id="{336892F5-F7A2-420A-8BF3-D2A2054912B1}" type="slidenum">
-              <a:rPr lang="en-US" smtClean="0"/>
-              <a:pPr>
-                <a:defRPr/>
-              </a:pPr>
-              <a:t>1</a:t>
-            </a:fld>
-            <a:endParaRPr lang="en-US"/>
-          </a:p>
-        </p:txBody>
-      </p:sp>
-      <p:sp>
-        <p:nvSpPr>
-          <p:cNvPr id="6" name="Rectangle 5">
-            <a:extLst>
-              <a:ext uri="{FF2B5EF4-FFF2-40B4-BE49-F238E27FC236}">
-                <a16:creationId xmlns:a16="http://schemas.microsoft.com/office/drawing/2014/main" id="{EAEDD60D-3D5F-4518-8AD8-37733F53571F}"/>
-              </a:ext>
-            </a:extLst>
-          </p:cNvPr>
-          <p:cNvSpPr/>
-          <p:nvPr/>
-        </p:nvSpPr>
-        <p:spPr>
-          <a:xfrm>
-            <a:off x="1326740" y="1059777"/>
-            <a:ext cx="2750340" cy="671274"/>
-          </a:xfrm>
-          <a:prstGeom prst="rect">
-            <a:avLst/>
-          </a:prstGeom>
-        </p:spPr>
-        <p:style>
-          <a:lnRef idx="2">
-            <a:schemeClr val="dk1"/>
-          </a:lnRef>
-          <a:fillRef idx="1">
-            <a:schemeClr val="lt1"/>
-          </a:fillRef>
-          <a:effectRef idx="0">
-            <a:schemeClr val="dk1"/>
-          </a:effectRef>
-          <a:fontRef idx="minor">
-            <a:schemeClr val="dk1"/>
-          </a:fontRef>
-        </p:style>
-        <p:txBody>
-          <a:bodyPr rtlCol="0" anchor="ctr"/>
-          <a:lstStyle/>
-          <a:p>
-            <a:pPr algn="ctr"/>
-            <a:r>
-              <a:rPr lang="en-US" dirty="0"/>
-              <a:t>Already have XDS?</a:t>
-            </a:r>
-          </a:p>
-        </p:txBody>
-      </p:sp>
-      <p:sp>
-        <p:nvSpPr>
-          <p:cNvPr id="7" name="Rectangle 6">
-            <a:extLst>
-              <a:ext uri="{FF2B5EF4-FFF2-40B4-BE49-F238E27FC236}">
-                <a16:creationId xmlns:a16="http://schemas.microsoft.com/office/drawing/2014/main" id="{83840346-F409-46EB-8234-E7A649733065}"/>
-              </a:ext>
-            </a:extLst>
-          </p:cNvPr>
-          <p:cNvSpPr/>
-          <p:nvPr/>
-        </p:nvSpPr>
-        <p:spPr>
-          <a:xfrm>
-            <a:off x="1326740" y="2065440"/>
-            <a:ext cx="2750340" cy="671274"/>
-          </a:xfrm>
-          <a:prstGeom prst="rect">
-            <a:avLst/>
-          </a:prstGeom>
-        </p:spPr>
-        <p:style>
-          <a:lnRef idx="2">
-            <a:schemeClr val="dk1"/>
-          </a:lnRef>
-          <a:fillRef idx="1">
-            <a:schemeClr val="lt1"/>
-          </a:fillRef>
-          <a:effectRef idx="0">
-            <a:schemeClr val="dk1"/>
-          </a:effectRef>
-          <a:fontRef idx="minor">
-            <a:schemeClr val="dk1"/>
-          </a:fontRef>
-        </p:style>
-        <p:txBody>
-          <a:bodyPr rtlCol="0" anchor="ctr"/>
-          <a:lstStyle/>
-          <a:p>
-            <a:pPr algn="ctr"/>
-            <a:r>
-              <a:rPr lang="en-US" dirty="0"/>
-              <a:t>Already have XCA?</a:t>
-            </a:r>
-          </a:p>
-        </p:txBody>
-      </p:sp>
-      <p:sp>
-        <p:nvSpPr>
-          <p:cNvPr id="8" name="Rectangle 7">
-            <a:extLst>
-              <a:ext uri="{FF2B5EF4-FFF2-40B4-BE49-F238E27FC236}">
-                <a16:creationId xmlns:a16="http://schemas.microsoft.com/office/drawing/2014/main" id="{3F16AC36-8FD3-41C7-807D-EE82D857C991}"/>
-              </a:ext>
-            </a:extLst>
-          </p:cNvPr>
-          <p:cNvSpPr/>
-          <p:nvPr/>
-        </p:nvSpPr>
-        <p:spPr>
-          <a:xfrm>
-            <a:off x="1326740" y="3071103"/>
-            <a:ext cx="2750340" cy="671274"/>
-          </a:xfrm>
-          <a:prstGeom prst="rect">
-            <a:avLst/>
-          </a:prstGeom>
-        </p:spPr>
-        <p:style>
-          <a:lnRef idx="2">
-            <a:schemeClr val="dk1"/>
-          </a:lnRef>
-          <a:fillRef idx="1">
-            <a:schemeClr val="lt1"/>
-          </a:fillRef>
-          <a:effectRef idx="0">
-            <a:schemeClr val="dk1"/>
-          </a:effectRef>
-          <a:fontRef idx="minor">
-            <a:schemeClr val="dk1"/>
-          </a:fontRef>
-        </p:style>
-        <p:txBody>
-          <a:bodyPr rtlCol="0" anchor="ctr"/>
-          <a:lstStyle/>
-          <a:p>
-            <a:pPr algn="ctr"/>
-            <a:r>
-              <a:rPr lang="en-US" dirty="0"/>
-              <a:t>Need Async backbone?</a:t>
-            </a:r>
-          </a:p>
-        </p:txBody>
-      </p:sp>
-      <p:sp>
-        <p:nvSpPr>
-          <p:cNvPr id="9" name="Rectangle 8">
-            <a:extLst>
-              <a:ext uri="{FF2B5EF4-FFF2-40B4-BE49-F238E27FC236}">
-                <a16:creationId xmlns:a16="http://schemas.microsoft.com/office/drawing/2014/main" id="{1F45BA9C-4E8E-4303-B94C-D8C5AAA911B0}"/>
-              </a:ext>
-            </a:extLst>
-          </p:cNvPr>
-          <p:cNvSpPr/>
-          <p:nvPr/>
-        </p:nvSpPr>
-        <p:spPr>
-          <a:xfrm>
-            <a:off x="1326740" y="4076766"/>
-            <a:ext cx="2750340" cy="671274"/>
-          </a:xfrm>
-          <a:prstGeom prst="rect">
-            <a:avLst/>
-          </a:prstGeom>
-        </p:spPr>
-        <p:style>
-          <a:lnRef idx="2">
-            <a:schemeClr val="dk1"/>
-          </a:lnRef>
-          <a:fillRef idx="1">
-            <a:schemeClr val="lt1"/>
-          </a:fillRef>
-          <a:effectRef idx="0">
-            <a:schemeClr val="dk1"/>
-          </a:effectRef>
-          <a:fontRef idx="minor">
-            <a:schemeClr val="dk1"/>
-          </a:fontRef>
-        </p:style>
-        <p:txBody>
-          <a:bodyPr rtlCol="0" anchor="ctr"/>
-          <a:lstStyle/>
-          <a:p>
-            <a:pPr algn="ctr"/>
-            <a:r>
-              <a:rPr lang="en-US" dirty="0"/>
-              <a:t>Need End-to-End Security?</a:t>
-            </a:r>
-          </a:p>
-        </p:txBody>
-      </p:sp>
-      <p:sp>
-        <p:nvSpPr>
-          <p:cNvPr id="10" name="Oval 9">
-            <a:extLst>
-              <a:ext uri="{FF2B5EF4-FFF2-40B4-BE49-F238E27FC236}">
-                <a16:creationId xmlns:a16="http://schemas.microsoft.com/office/drawing/2014/main" id="{10879666-AF7D-4734-A5D9-5ED2420028AA}"/>
-              </a:ext>
-            </a:extLst>
-          </p:cNvPr>
-          <p:cNvSpPr/>
-          <p:nvPr/>
-        </p:nvSpPr>
-        <p:spPr>
-          <a:xfrm>
-            <a:off x="10243513" y="964812"/>
-            <a:ext cx="1371600" cy="914400"/>
-          </a:xfrm>
-          <a:prstGeom prst="ellipse">
-            <a:avLst/>
-          </a:prstGeom>
-        </p:spPr>
-        <p:style>
-          <a:lnRef idx="2">
-            <a:schemeClr val="dk1"/>
-          </a:lnRef>
-          <a:fillRef idx="1">
-            <a:schemeClr val="lt1"/>
-          </a:fillRef>
-          <a:effectRef idx="0">
-            <a:schemeClr val="dk1"/>
-          </a:effectRef>
-          <a:fontRef idx="minor">
-            <a:schemeClr val="dk1"/>
-          </a:fontRef>
-        </p:style>
-        <p:txBody>
-          <a:bodyPr rtlCol="0" anchor="ctr"/>
-          <a:lstStyle/>
-          <a:p>
-            <a:pPr algn="ctr"/>
-            <a:r>
-              <a:rPr lang="en-US" dirty="0"/>
-              <a:t>XDS </a:t>
-            </a:r>
-            <a:r>
-              <a:rPr lang="en-US" dirty="0">
-                <a:highlight>
-                  <a:srgbClr val="FFFF00"/>
-                </a:highlight>
-              </a:rPr>
-              <a:t>+MHD</a:t>
-            </a:r>
-          </a:p>
-        </p:txBody>
-      </p:sp>
-      <p:sp>
-        <p:nvSpPr>
-          <p:cNvPr id="11" name="Oval 10">
-            <a:extLst>
-              <a:ext uri="{FF2B5EF4-FFF2-40B4-BE49-F238E27FC236}">
-                <a16:creationId xmlns:a16="http://schemas.microsoft.com/office/drawing/2014/main" id="{1F420B0C-935D-4883-B2BB-EA361D34C999}"/>
-              </a:ext>
-            </a:extLst>
-          </p:cNvPr>
-          <p:cNvSpPr/>
-          <p:nvPr/>
-        </p:nvSpPr>
-        <p:spPr>
-          <a:xfrm>
-            <a:off x="7635812" y="2015914"/>
-            <a:ext cx="1371600" cy="914400"/>
-          </a:xfrm>
-          <a:prstGeom prst="ellipse">
-            <a:avLst/>
-          </a:prstGeom>
-        </p:spPr>
-        <p:style>
-          <a:lnRef idx="2">
-            <a:schemeClr val="dk1"/>
-          </a:lnRef>
-          <a:fillRef idx="1">
-            <a:schemeClr val="lt1"/>
-          </a:fillRef>
-          <a:effectRef idx="0">
-            <a:schemeClr val="dk1"/>
-          </a:effectRef>
-          <a:fontRef idx="minor">
-            <a:schemeClr val="dk1"/>
-          </a:fontRef>
-        </p:style>
-        <p:txBody>
-          <a:bodyPr rtlCol="0" anchor="ctr"/>
-          <a:lstStyle/>
-          <a:p>
-            <a:pPr algn="ctr"/>
-            <a:r>
-              <a:rPr lang="en-US" dirty="0"/>
-              <a:t>XCA </a:t>
-            </a:r>
-            <a:r>
-              <a:rPr lang="en-US" dirty="0">
-                <a:highlight>
-                  <a:srgbClr val="FFFF00"/>
-                </a:highlight>
-              </a:rPr>
-              <a:t>+MHD</a:t>
-            </a:r>
-          </a:p>
-        </p:txBody>
-      </p:sp>
-      <p:sp>
-        <p:nvSpPr>
-          <p:cNvPr id="12" name="Oval 11">
-            <a:extLst>
-              <a:ext uri="{FF2B5EF4-FFF2-40B4-BE49-F238E27FC236}">
-                <a16:creationId xmlns:a16="http://schemas.microsoft.com/office/drawing/2014/main" id="{2FB7BC71-28AE-4C17-8E28-77AEC5471498}"/>
-              </a:ext>
-            </a:extLst>
-          </p:cNvPr>
-          <p:cNvSpPr/>
-          <p:nvPr/>
-        </p:nvSpPr>
-        <p:spPr>
-          <a:xfrm>
-            <a:off x="8244951" y="5380935"/>
-            <a:ext cx="1634771" cy="1025948"/>
-          </a:xfrm>
-          <a:prstGeom prst="ellipse">
-            <a:avLst/>
-          </a:prstGeom>
-        </p:spPr>
-        <p:style>
-          <a:lnRef idx="2">
-            <a:schemeClr val="dk1"/>
-          </a:lnRef>
-          <a:fillRef idx="1">
-            <a:schemeClr val="lt1"/>
-          </a:fillRef>
-          <a:effectRef idx="0">
-            <a:schemeClr val="dk1"/>
-          </a:effectRef>
-          <a:fontRef idx="minor">
-            <a:schemeClr val="dk1"/>
-          </a:fontRef>
-        </p:style>
-        <p:txBody>
-          <a:bodyPr rtlCol="0" anchor="ctr"/>
-          <a:lstStyle/>
-          <a:p>
-            <a:pPr algn="ctr"/>
-            <a:r>
-              <a:rPr lang="en-US" sz="2800" b="1" dirty="0">
-                <a:highlight>
-                  <a:srgbClr val="FFFF00"/>
-                </a:highlight>
-              </a:rPr>
-              <a:t>MHDS</a:t>
-            </a:r>
-          </a:p>
-        </p:txBody>
-      </p:sp>
-      <p:cxnSp>
-        <p:nvCxnSpPr>
-          <p:cNvPr id="14" name="Straight Arrow Connector 13">
-            <a:extLst>
-              <a:ext uri="{FF2B5EF4-FFF2-40B4-BE49-F238E27FC236}">
-                <a16:creationId xmlns:a16="http://schemas.microsoft.com/office/drawing/2014/main" id="{CABD3410-7720-4695-8D12-C1A4176498ED}"/>
-              </a:ext>
-            </a:extLst>
-          </p:cNvPr>
-          <p:cNvCxnSpPr>
-            <a:cxnSpLocks/>
-            <a:stCxn id="6" idx="2"/>
-            <a:endCxn id="7" idx="0"/>
-          </p:cNvCxnSpPr>
-          <p:nvPr/>
-        </p:nvCxnSpPr>
-        <p:spPr>
-          <a:xfrm>
-            <a:off x="2701910" y="1731051"/>
-            <a:ext cx="0" cy="334389"/>
-          </a:xfrm>
-          <a:prstGeom prst="straightConnector1">
-            <a:avLst/>
-          </a:prstGeom>
-          <a:ln w="50800">
-            <a:tailEnd type="triangle"/>
-          </a:ln>
-        </p:spPr>
-        <p:style>
-          <a:lnRef idx="1">
-            <a:schemeClr val="dk1"/>
-          </a:lnRef>
-          <a:fillRef idx="0">
-            <a:schemeClr val="dk1"/>
-          </a:fillRef>
-          <a:effectRef idx="0">
-            <a:schemeClr val="dk1"/>
-          </a:effectRef>
-          <a:fontRef idx="minor">
-            <a:schemeClr val="tx1"/>
-          </a:fontRef>
-        </p:style>
-      </p:cxnSp>
-      <p:cxnSp>
-        <p:nvCxnSpPr>
-          <p:cNvPr id="16" name="Straight Arrow Connector 15">
-            <a:extLst>
-              <a:ext uri="{FF2B5EF4-FFF2-40B4-BE49-F238E27FC236}">
-                <a16:creationId xmlns:a16="http://schemas.microsoft.com/office/drawing/2014/main" id="{A4EA61B6-347A-4280-809A-6A48AFBD8CE5}"/>
-              </a:ext>
-            </a:extLst>
-          </p:cNvPr>
-          <p:cNvCxnSpPr>
-            <a:cxnSpLocks/>
-            <a:stCxn id="7" idx="3"/>
-            <a:endCxn id="11" idx="2"/>
-          </p:cNvCxnSpPr>
-          <p:nvPr/>
-        </p:nvCxnSpPr>
-        <p:spPr>
-          <a:xfrm>
-            <a:off x="4077080" y="2401077"/>
-            <a:ext cx="3558732" cy="72037"/>
-          </a:xfrm>
-          <a:prstGeom prst="straightConnector1">
-            <a:avLst/>
-          </a:prstGeom>
-          <a:ln w="50800">
-            <a:tailEnd type="triangle"/>
-          </a:ln>
-        </p:spPr>
-        <p:style>
-          <a:lnRef idx="1">
-            <a:schemeClr val="dk1"/>
-          </a:lnRef>
-          <a:fillRef idx="0">
-            <a:schemeClr val="dk1"/>
-          </a:fillRef>
-          <a:effectRef idx="0">
-            <a:schemeClr val="dk1"/>
-          </a:effectRef>
-          <a:fontRef idx="minor">
-            <a:schemeClr val="tx1"/>
-          </a:fontRef>
-        </p:style>
-      </p:cxnSp>
-      <p:cxnSp>
-        <p:nvCxnSpPr>
-          <p:cNvPr id="17" name="Straight Arrow Connector 16">
-            <a:extLst>
-              <a:ext uri="{FF2B5EF4-FFF2-40B4-BE49-F238E27FC236}">
-                <a16:creationId xmlns:a16="http://schemas.microsoft.com/office/drawing/2014/main" id="{DF9F7A0C-D793-48EC-808E-A7E2A83C5F42}"/>
-              </a:ext>
-            </a:extLst>
-          </p:cNvPr>
-          <p:cNvCxnSpPr>
-            <a:cxnSpLocks/>
-            <a:stCxn id="8" idx="3"/>
-            <a:endCxn id="65" idx="1"/>
-          </p:cNvCxnSpPr>
-          <p:nvPr/>
-        </p:nvCxnSpPr>
-        <p:spPr>
-          <a:xfrm>
-            <a:off x="4077080" y="3406740"/>
-            <a:ext cx="2633576" cy="764136"/>
-          </a:xfrm>
-          <a:prstGeom prst="straightConnector1">
-            <a:avLst/>
-          </a:prstGeom>
-          <a:ln w="50800">
-            <a:tailEnd type="triangle"/>
-          </a:ln>
-        </p:spPr>
-        <p:style>
-          <a:lnRef idx="1">
-            <a:schemeClr val="dk1"/>
-          </a:lnRef>
-          <a:fillRef idx="0">
-            <a:schemeClr val="dk1"/>
-          </a:fillRef>
-          <a:effectRef idx="0">
-            <a:schemeClr val="dk1"/>
-          </a:effectRef>
-          <a:fontRef idx="minor">
-            <a:schemeClr val="tx1"/>
-          </a:fontRef>
-        </p:style>
-      </p:cxnSp>
-      <p:cxnSp>
-        <p:nvCxnSpPr>
-          <p:cNvPr id="19" name="Straight Arrow Connector 18">
-            <a:extLst>
-              <a:ext uri="{FF2B5EF4-FFF2-40B4-BE49-F238E27FC236}">
-                <a16:creationId xmlns:a16="http://schemas.microsoft.com/office/drawing/2014/main" id="{0CCBE64F-3CA1-40AB-AD8E-EFD308C94B01}"/>
-              </a:ext>
-            </a:extLst>
-          </p:cNvPr>
-          <p:cNvCxnSpPr>
-            <a:cxnSpLocks/>
-            <a:stCxn id="9" idx="3"/>
-            <a:endCxn id="65" idx="1"/>
-          </p:cNvCxnSpPr>
-          <p:nvPr/>
-        </p:nvCxnSpPr>
-        <p:spPr>
-          <a:xfrm flipV="1">
-            <a:off x="4077080" y="4170876"/>
-            <a:ext cx="2633576" cy="241527"/>
-          </a:xfrm>
-          <a:prstGeom prst="straightConnector1">
-            <a:avLst/>
-          </a:prstGeom>
-          <a:ln w="50800">
-            <a:tailEnd type="triangle"/>
-          </a:ln>
-        </p:spPr>
-        <p:style>
-          <a:lnRef idx="1">
-            <a:schemeClr val="dk1"/>
-          </a:lnRef>
-          <a:fillRef idx="0">
-            <a:schemeClr val="dk1"/>
-          </a:fillRef>
-          <a:effectRef idx="0">
-            <a:schemeClr val="dk1"/>
-          </a:effectRef>
-          <a:fontRef idx="minor">
-            <a:schemeClr val="tx1"/>
-          </a:fontRef>
-        </p:style>
-      </p:cxnSp>
-      <p:cxnSp>
-        <p:nvCxnSpPr>
-          <p:cNvPr id="27" name="Straight Arrow Connector 26">
-            <a:extLst>
-              <a:ext uri="{FF2B5EF4-FFF2-40B4-BE49-F238E27FC236}">
-                <a16:creationId xmlns:a16="http://schemas.microsoft.com/office/drawing/2014/main" id="{333AE22E-1A2E-4C11-B1D1-A69C1E5E1D17}"/>
-              </a:ext>
-            </a:extLst>
-          </p:cNvPr>
-          <p:cNvCxnSpPr>
-            <a:cxnSpLocks/>
-            <a:stCxn id="6" idx="3"/>
-            <a:endCxn id="10" idx="2"/>
-          </p:cNvCxnSpPr>
-          <p:nvPr/>
-        </p:nvCxnSpPr>
-        <p:spPr>
-          <a:xfrm>
-            <a:off x="4077080" y="1395414"/>
-            <a:ext cx="6166433" cy="26598"/>
-          </a:xfrm>
-          <a:prstGeom prst="straightConnector1">
-            <a:avLst/>
-          </a:prstGeom>
-          <a:ln w="50800">
-            <a:tailEnd type="triangle"/>
-          </a:ln>
-        </p:spPr>
-        <p:style>
-          <a:lnRef idx="1">
-            <a:schemeClr val="dk1"/>
-          </a:lnRef>
-          <a:fillRef idx="0">
-            <a:schemeClr val="dk1"/>
-          </a:fillRef>
-          <a:effectRef idx="0">
-            <a:schemeClr val="dk1"/>
-          </a:effectRef>
-          <a:fontRef idx="minor">
-            <a:schemeClr val="tx1"/>
-          </a:fontRef>
-        </p:style>
-      </p:cxnSp>
-      <p:cxnSp>
-        <p:nvCxnSpPr>
-          <p:cNvPr id="31" name="Straight Arrow Connector 30">
-            <a:extLst>
-              <a:ext uri="{FF2B5EF4-FFF2-40B4-BE49-F238E27FC236}">
-                <a16:creationId xmlns:a16="http://schemas.microsoft.com/office/drawing/2014/main" id="{0B6AB36B-AC5C-410D-9BF1-58F623B77737}"/>
-              </a:ext>
-            </a:extLst>
-          </p:cNvPr>
-          <p:cNvCxnSpPr>
-            <a:cxnSpLocks/>
-            <a:stCxn id="7" idx="2"/>
-            <a:endCxn id="8" idx="0"/>
-          </p:cNvCxnSpPr>
-          <p:nvPr/>
-        </p:nvCxnSpPr>
-        <p:spPr>
-          <a:xfrm>
-            <a:off x="2701910" y="2736714"/>
-            <a:ext cx="0" cy="334389"/>
-          </a:xfrm>
-          <a:prstGeom prst="straightConnector1">
-            <a:avLst/>
-          </a:prstGeom>
-          <a:ln w="50800">
-            <a:tailEnd type="triangle"/>
-          </a:ln>
-        </p:spPr>
-        <p:style>
-          <a:lnRef idx="1">
-            <a:schemeClr val="dk1"/>
-          </a:lnRef>
-          <a:fillRef idx="0">
-            <a:schemeClr val="dk1"/>
-          </a:fillRef>
-          <a:effectRef idx="0">
-            <a:schemeClr val="dk1"/>
-          </a:effectRef>
-          <a:fontRef idx="minor">
-            <a:schemeClr val="tx1"/>
-          </a:fontRef>
-        </p:style>
-      </p:cxnSp>
-      <p:cxnSp>
-        <p:nvCxnSpPr>
-          <p:cNvPr id="34" name="Straight Arrow Connector 33">
-            <a:extLst>
-              <a:ext uri="{FF2B5EF4-FFF2-40B4-BE49-F238E27FC236}">
-                <a16:creationId xmlns:a16="http://schemas.microsoft.com/office/drawing/2014/main" id="{D82A5A3F-F3D7-4E94-928A-F8FF32434E4A}"/>
-              </a:ext>
-            </a:extLst>
-          </p:cNvPr>
-          <p:cNvCxnSpPr>
-            <a:cxnSpLocks/>
-            <a:stCxn id="8" idx="2"/>
-            <a:endCxn id="9" idx="0"/>
-          </p:cNvCxnSpPr>
-          <p:nvPr/>
-        </p:nvCxnSpPr>
-        <p:spPr>
-          <a:xfrm>
-            <a:off x="2701910" y="3742377"/>
-            <a:ext cx="0" cy="334389"/>
-          </a:xfrm>
-          <a:prstGeom prst="straightConnector1">
-            <a:avLst/>
-          </a:prstGeom>
-          <a:ln w="50800">
-            <a:tailEnd type="triangle"/>
-          </a:ln>
-        </p:spPr>
-        <p:style>
-          <a:lnRef idx="1">
-            <a:schemeClr val="dk1"/>
-          </a:lnRef>
-          <a:fillRef idx="0">
-            <a:schemeClr val="dk1"/>
-          </a:fillRef>
-          <a:effectRef idx="0">
-            <a:schemeClr val="dk1"/>
-          </a:effectRef>
-          <a:fontRef idx="minor">
-            <a:schemeClr val="tx1"/>
-          </a:fontRef>
-        </p:style>
-      </p:cxnSp>
-      <p:cxnSp>
-        <p:nvCxnSpPr>
-          <p:cNvPr id="38" name="Straight Arrow Connector 37">
-            <a:extLst>
-              <a:ext uri="{FF2B5EF4-FFF2-40B4-BE49-F238E27FC236}">
-                <a16:creationId xmlns:a16="http://schemas.microsoft.com/office/drawing/2014/main" id="{0F9BD237-68F6-4835-987F-B55019FE4C12}"/>
-              </a:ext>
-            </a:extLst>
-          </p:cNvPr>
-          <p:cNvCxnSpPr>
-            <a:cxnSpLocks/>
-            <a:stCxn id="9" idx="2"/>
-            <a:endCxn id="35" idx="0"/>
-          </p:cNvCxnSpPr>
-          <p:nvPr/>
-        </p:nvCxnSpPr>
-        <p:spPr>
-          <a:xfrm>
-            <a:off x="2701910" y="4748040"/>
-            <a:ext cx="0" cy="334389"/>
-          </a:xfrm>
-          <a:prstGeom prst="straightConnector1">
-            <a:avLst/>
-          </a:prstGeom>
-          <a:ln w="50800">
-            <a:tailEnd type="triangle"/>
-          </a:ln>
-        </p:spPr>
-        <p:style>
-          <a:lnRef idx="1">
-            <a:schemeClr val="dk1"/>
-          </a:lnRef>
-          <a:fillRef idx="0">
-            <a:schemeClr val="dk1"/>
-          </a:fillRef>
-          <a:effectRef idx="0">
-            <a:schemeClr val="dk1"/>
-          </a:effectRef>
-          <a:fontRef idx="minor">
-            <a:schemeClr val="tx1"/>
-          </a:fontRef>
-        </p:style>
-      </p:cxnSp>
-      <p:sp>
-        <p:nvSpPr>
-          <p:cNvPr id="43" name="Rectangle 42">
-            <a:extLst>
-              <a:ext uri="{FF2B5EF4-FFF2-40B4-BE49-F238E27FC236}">
-                <a16:creationId xmlns:a16="http://schemas.microsoft.com/office/drawing/2014/main" id="{F9CE5C75-85ED-40AD-9D44-E6D12988B9F9}"/>
-              </a:ext>
-            </a:extLst>
-          </p:cNvPr>
-          <p:cNvSpPr/>
-          <p:nvPr/>
-        </p:nvSpPr>
-        <p:spPr>
-          <a:xfrm>
-            <a:off x="4371980" y="5827774"/>
-            <a:ext cx="2750340" cy="671274"/>
+            <a:off x="7179680" y="5172190"/>
+            <a:ext cx="2987961" cy="749681"/>
           </a:xfrm>
           <a:prstGeom prst="rect">
             <a:avLst/>
@@ -4684,30 +3921,419 @@
             <a:pPr algn="ctr"/>
             <a:r>
               <a:rPr lang="en-US" dirty="0"/>
-              <a:t>No Current Infrastructure</a:t>
+              <a:t>Either will work</a:t>
+            </a:r>
+          </a:p>
+        </p:txBody>
+      </p:sp>
+      <p:sp>
+        <p:nvSpPr>
+          <p:cNvPr id="6" name="Rectangle 5">
+            <a:extLst>
+              <a:ext uri="{FF2B5EF4-FFF2-40B4-BE49-F238E27FC236}">
+                <a16:creationId xmlns:a16="http://schemas.microsoft.com/office/drawing/2014/main" id="{EAEDD60D-3D5F-4518-8AD8-37733F53571F}"/>
+              </a:ext>
+            </a:extLst>
+          </p:cNvPr>
+          <p:cNvSpPr/>
+          <p:nvPr/>
+        </p:nvSpPr>
+        <p:spPr>
+          <a:xfrm>
+            <a:off x="412124" y="1477526"/>
+            <a:ext cx="2987961" cy="749681"/>
+          </a:xfrm>
+          <a:prstGeom prst="rect">
+            <a:avLst/>
+          </a:prstGeom>
+        </p:spPr>
+        <p:style>
+          <a:lnRef idx="2">
+            <a:schemeClr val="dk1"/>
+          </a:lnRef>
+          <a:fillRef idx="1">
+            <a:schemeClr val="lt1"/>
+          </a:fillRef>
+          <a:effectRef idx="0">
+            <a:schemeClr val="dk1"/>
+          </a:effectRef>
+          <a:fontRef idx="minor">
+            <a:schemeClr val="dk1"/>
+          </a:fontRef>
+        </p:style>
+        <p:txBody>
+          <a:bodyPr rtlCol="0" anchor="ctr"/>
+          <a:lstStyle/>
+          <a:p>
+            <a:pPr algn="ctr"/>
+            <a:r>
+              <a:rPr lang="en-US" dirty="0"/>
+              <a:t>Already have XDS?</a:t>
+            </a:r>
+          </a:p>
+        </p:txBody>
+      </p:sp>
+      <p:sp>
+        <p:nvSpPr>
+          <p:cNvPr id="7" name="Rectangle 6">
+            <a:extLst>
+              <a:ext uri="{FF2B5EF4-FFF2-40B4-BE49-F238E27FC236}">
+                <a16:creationId xmlns:a16="http://schemas.microsoft.com/office/drawing/2014/main" id="{83840346-F409-46EB-8234-E7A649733065}"/>
+              </a:ext>
+            </a:extLst>
+          </p:cNvPr>
+          <p:cNvSpPr/>
+          <p:nvPr/>
+        </p:nvSpPr>
+        <p:spPr>
+          <a:xfrm>
+            <a:off x="412123" y="304251"/>
+            <a:ext cx="2987961" cy="749681"/>
+          </a:xfrm>
+          <a:prstGeom prst="rect">
+            <a:avLst/>
+          </a:prstGeom>
+        </p:spPr>
+        <p:style>
+          <a:lnRef idx="2">
+            <a:schemeClr val="dk1"/>
+          </a:lnRef>
+          <a:fillRef idx="1">
+            <a:schemeClr val="lt1"/>
+          </a:fillRef>
+          <a:effectRef idx="0">
+            <a:schemeClr val="dk1"/>
+          </a:effectRef>
+          <a:fontRef idx="minor">
+            <a:schemeClr val="dk1"/>
+          </a:fontRef>
+        </p:style>
+        <p:txBody>
+          <a:bodyPr rtlCol="0" anchor="ctr"/>
+          <a:lstStyle/>
+          <a:p>
+            <a:pPr algn="ctr"/>
+            <a:r>
+              <a:rPr lang="en-US" dirty="0"/>
+              <a:t>Already have XCA?</a:t>
+            </a:r>
+          </a:p>
+          <a:p>
+            <a:pPr algn="ctr"/>
+            <a:r>
+              <a:rPr lang="en-US" sz="1600" dirty="0"/>
+              <a:t>Will need multiple communities?</a:t>
+            </a:r>
+          </a:p>
+        </p:txBody>
+      </p:sp>
+      <p:sp>
+        <p:nvSpPr>
+          <p:cNvPr id="8" name="Rectangle 7">
+            <a:extLst>
+              <a:ext uri="{FF2B5EF4-FFF2-40B4-BE49-F238E27FC236}">
+                <a16:creationId xmlns:a16="http://schemas.microsoft.com/office/drawing/2014/main" id="{3F16AC36-8FD3-41C7-807D-EE82D857C991}"/>
+              </a:ext>
+            </a:extLst>
+          </p:cNvPr>
+          <p:cNvSpPr/>
+          <p:nvPr/>
+        </p:nvSpPr>
+        <p:spPr>
+          <a:xfrm>
+            <a:off x="412124" y="2670705"/>
+            <a:ext cx="2987961" cy="749681"/>
+          </a:xfrm>
+          <a:prstGeom prst="rect">
+            <a:avLst/>
+          </a:prstGeom>
+        </p:spPr>
+        <p:style>
+          <a:lnRef idx="2">
+            <a:schemeClr val="dk1"/>
+          </a:lnRef>
+          <a:fillRef idx="1">
+            <a:schemeClr val="lt1"/>
+          </a:fillRef>
+          <a:effectRef idx="0">
+            <a:schemeClr val="dk1"/>
+          </a:effectRef>
+          <a:fontRef idx="minor">
+            <a:schemeClr val="dk1"/>
+          </a:fontRef>
+        </p:style>
+        <p:txBody>
+          <a:bodyPr rtlCol="0" anchor="ctr"/>
+          <a:lstStyle/>
+          <a:p>
+            <a:pPr algn="ctr"/>
+            <a:r>
+              <a:rPr lang="en-US" dirty="0"/>
+              <a:t>Need Async backbone?</a:t>
+            </a:r>
+          </a:p>
+        </p:txBody>
+      </p:sp>
+      <p:sp>
+        <p:nvSpPr>
+          <p:cNvPr id="9" name="Rectangle 8">
+            <a:extLst>
+              <a:ext uri="{FF2B5EF4-FFF2-40B4-BE49-F238E27FC236}">
+                <a16:creationId xmlns:a16="http://schemas.microsoft.com/office/drawing/2014/main" id="{1F45BA9C-4E8E-4303-B94C-D8C5AAA911B0}"/>
+              </a:ext>
+            </a:extLst>
+          </p:cNvPr>
+          <p:cNvSpPr/>
+          <p:nvPr/>
+        </p:nvSpPr>
+        <p:spPr>
+          <a:xfrm>
+            <a:off x="412124" y="3793834"/>
+            <a:ext cx="2987961" cy="749681"/>
+          </a:xfrm>
+          <a:prstGeom prst="rect">
+            <a:avLst/>
+          </a:prstGeom>
+        </p:spPr>
+        <p:style>
+          <a:lnRef idx="2">
+            <a:schemeClr val="dk1"/>
+          </a:lnRef>
+          <a:fillRef idx="1">
+            <a:schemeClr val="lt1"/>
+          </a:fillRef>
+          <a:effectRef idx="0">
+            <a:schemeClr val="dk1"/>
+          </a:effectRef>
+          <a:fontRef idx="minor">
+            <a:schemeClr val="dk1"/>
+          </a:fontRef>
+        </p:style>
+        <p:txBody>
+          <a:bodyPr rtlCol="0" anchor="ctr"/>
+          <a:lstStyle/>
+          <a:p>
+            <a:pPr algn="ctr"/>
+            <a:r>
+              <a:rPr lang="en-US" dirty="0"/>
+              <a:t>Need End-to-End Security?</a:t>
+            </a:r>
+          </a:p>
+        </p:txBody>
+      </p:sp>
+      <p:sp>
+        <p:nvSpPr>
+          <p:cNvPr id="10" name="Oval 9">
+            <a:extLst>
+              <a:ext uri="{FF2B5EF4-FFF2-40B4-BE49-F238E27FC236}">
+                <a16:creationId xmlns:a16="http://schemas.microsoft.com/office/drawing/2014/main" id="{10879666-AF7D-4734-A5D9-5ED2420028AA}"/>
+              </a:ext>
+            </a:extLst>
+          </p:cNvPr>
+          <p:cNvSpPr/>
+          <p:nvPr/>
+        </p:nvSpPr>
+        <p:spPr>
+          <a:xfrm>
+            <a:off x="9773512" y="2821002"/>
+            <a:ext cx="1813678" cy="1120656"/>
+          </a:xfrm>
+          <a:prstGeom prst="ellipse">
+            <a:avLst/>
+          </a:prstGeom>
+        </p:spPr>
+        <p:style>
+          <a:lnRef idx="2">
+            <a:schemeClr val="dk1"/>
+          </a:lnRef>
+          <a:fillRef idx="1">
+            <a:schemeClr val="lt1"/>
+          </a:fillRef>
+          <a:effectRef idx="0">
+            <a:schemeClr val="dk1"/>
+          </a:effectRef>
+          <a:fontRef idx="minor">
+            <a:schemeClr val="dk1"/>
+          </a:fontRef>
+        </p:style>
+        <p:txBody>
+          <a:bodyPr rtlCol="0" anchor="ctr"/>
+          <a:lstStyle/>
+          <a:p>
+            <a:pPr algn="ctr"/>
+            <a:r>
+              <a:rPr lang="en-US" sz="3200" b="1" dirty="0"/>
+              <a:t>XDS</a:t>
+            </a:r>
+            <a:r>
+              <a:rPr lang="en-US" dirty="0"/>
+              <a:t> +MHD</a:t>
+            </a:r>
+          </a:p>
+        </p:txBody>
+      </p:sp>
+      <p:sp>
+        <p:nvSpPr>
+          <p:cNvPr id="11" name="Oval 10">
+            <a:extLst>
+              <a:ext uri="{FF2B5EF4-FFF2-40B4-BE49-F238E27FC236}">
+                <a16:creationId xmlns:a16="http://schemas.microsoft.com/office/drawing/2014/main" id="{1F420B0C-935D-4883-B2BB-EA361D34C999}"/>
+              </a:ext>
+            </a:extLst>
+          </p:cNvPr>
+          <p:cNvSpPr/>
+          <p:nvPr/>
+        </p:nvSpPr>
+        <p:spPr>
+          <a:xfrm>
+            <a:off x="9604316" y="245984"/>
+            <a:ext cx="1982874" cy="1111586"/>
+          </a:xfrm>
+          <a:prstGeom prst="ellipse">
+            <a:avLst/>
+          </a:prstGeom>
+        </p:spPr>
+        <p:style>
+          <a:lnRef idx="2">
+            <a:schemeClr val="dk1"/>
+          </a:lnRef>
+          <a:fillRef idx="1">
+            <a:schemeClr val="lt1"/>
+          </a:fillRef>
+          <a:effectRef idx="0">
+            <a:schemeClr val="dk1"/>
+          </a:effectRef>
+          <a:fontRef idx="minor">
+            <a:schemeClr val="dk1"/>
+          </a:fontRef>
+        </p:style>
+        <p:txBody>
+          <a:bodyPr rtlCol="0" anchor="ctr"/>
+          <a:lstStyle/>
+          <a:p>
+            <a:pPr algn="ctr"/>
+            <a:r>
+              <a:rPr lang="en-US" sz="3200" b="1" dirty="0"/>
+              <a:t>XCA</a:t>
+            </a:r>
+            <a:r>
+              <a:rPr lang="en-US" dirty="0"/>
+              <a:t> +MHD</a:t>
+            </a:r>
+          </a:p>
+        </p:txBody>
+      </p:sp>
+      <p:sp>
+        <p:nvSpPr>
+          <p:cNvPr id="12" name="Oval 11">
+            <a:extLst>
+              <a:ext uri="{FF2B5EF4-FFF2-40B4-BE49-F238E27FC236}">
+                <a16:creationId xmlns:a16="http://schemas.microsoft.com/office/drawing/2014/main" id="{2FB7BC71-28AE-4C17-8E28-77AEC5471498}"/>
+              </a:ext>
+            </a:extLst>
+          </p:cNvPr>
+          <p:cNvSpPr/>
+          <p:nvPr/>
+        </p:nvSpPr>
+        <p:spPr>
+          <a:xfrm>
+            <a:off x="9811180" y="5219358"/>
+            <a:ext cx="1776010" cy="1145783"/>
+          </a:xfrm>
+          <a:prstGeom prst="ellipse">
+            <a:avLst/>
+          </a:prstGeom>
+        </p:spPr>
+        <p:style>
+          <a:lnRef idx="2">
+            <a:schemeClr val="dk1"/>
+          </a:lnRef>
+          <a:fillRef idx="1">
+            <a:schemeClr val="lt1"/>
+          </a:fillRef>
+          <a:effectRef idx="0">
+            <a:schemeClr val="dk1"/>
+          </a:effectRef>
+          <a:fontRef idx="minor">
+            <a:schemeClr val="dk1"/>
+          </a:fontRef>
+        </p:style>
+        <p:txBody>
+          <a:bodyPr rtlCol="0" anchor="ctr"/>
+          <a:lstStyle/>
+          <a:p>
+            <a:pPr algn="ctr"/>
+            <a:r>
+              <a:rPr lang="en-US" sz="2800" b="1" dirty="0"/>
+              <a:t>MHDS</a:t>
             </a:r>
           </a:p>
         </p:txBody>
       </p:sp>
       <p:cxnSp>
         <p:nvCxnSpPr>
-          <p:cNvPr id="44" name="Straight Arrow Connector 43">
-            <a:extLst>
-              <a:ext uri="{FF2B5EF4-FFF2-40B4-BE49-F238E27FC236}">
-                <a16:creationId xmlns:a16="http://schemas.microsoft.com/office/drawing/2014/main" id="{6610F051-F416-484D-AC41-339C0AB2F55F}"/>
+          <p:cNvPr id="14" name="Straight Arrow Connector 13">
+            <a:extLst>
+              <a:ext uri="{FF2B5EF4-FFF2-40B4-BE49-F238E27FC236}">
+                <a16:creationId xmlns:a16="http://schemas.microsoft.com/office/drawing/2014/main" id="{CABD3410-7720-4695-8D12-C1A4176498ED}"/>
               </a:ext>
             </a:extLst>
           </p:cNvPr>
           <p:cNvCxnSpPr>
             <a:cxnSpLocks/>
-            <a:endCxn id="12" idx="2"/>
+            <a:stCxn id="6" idx="0"/>
+            <a:endCxn id="7" idx="2"/>
           </p:cNvCxnSpPr>
           <p:nvPr/>
         </p:nvCxnSpPr>
         <p:spPr>
-          <a:xfrm flipV="1">
-            <a:off x="2701910" y="5893909"/>
-            <a:ext cx="5543041" cy="261695"/>
+          <a:xfrm flipH="1" flipV="1">
+            <a:off x="1906104" y="1053932"/>
+            <a:ext cx="1" cy="423594"/>
+          </a:xfrm>
+          <a:prstGeom prst="straightConnector1">
+            <a:avLst/>
+          </a:prstGeom>
+          <a:ln w="50800">
+            <a:headEnd type="triangle"/>
+            <a:tailEnd type="none"/>
+          </a:ln>
+        </p:spPr>
+        <p:style>
+          <a:lnRef idx="1">
+            <a:schemeClr val="dk1"/>
+          </a:lnRef>
+          <a:fillRef idx="0">
+            <a:schemeClr val="dk1"/>
+          </a:fillRef>
+          <a:effectRef idx="0">
+            <a:schemeClr val="dk1"/>
+          </a:effectRef>
+          <a:fontRef idx="minor">
+            <a:schemeClr val="tx1"/>
+          </a:fontRef>
+        </p:style>
+      </p:cxnSp>
+      <p:cxnSp>
+        <p:nvCxnSpPr>
+          <p:cNvPr id="16" name="Straight Arrow Connector 15">
+            <a:extLst>
+              <a:ext uri="{FF2B5EF4-FFF2-40B4-BE49-F238E27FC236}">
+                <a16:creationId xmlns:a16="http://schemas.microsoft.com/office/drawing/2014/main" id="{A4EA61B6-347A-4280-809A-6A48AFBD8CE5}"/>
+              </a:ext>
+            </a:extLst>
+          </p:cNvPr>
+          <p:cNvCxnSpPr>
+            <a:cxnSpLocks/>
+            <a:stCxn id="7" idx="3"/>
+            <a:endCxn id="11" idx="2"/>
+          </p:cNvCxnSpPr>
+          <p:nvPr/>
+        </p:nvCxnSpPr>
+        <p:spPr>
+          <a:xfrm>
+            <a:off x="3400084" y="679092"/>
+            <a:ext cx="6204232" cy="122685"/>
           </a:xfrm>
           <a:prstGeom prst="straightConnector1">
             <a:avLst/>
@@ -4731,213 +4357,26 @@
           </a:fontRef>
         </p:style>
       </p:cxnSp>
-      <p:sp>
-        <p:nvSpPr>
-          <p:cNvPr id="55" name="TextBox 54">
-            <a:extLst>
-              <a:ext uri="{FF2B5EF4-FFF2-40B4-BE49-F238E27FC236}">
-                <a16:creationId xmlns:a16="http://schemas.microsoft.com/office/drawing/2014/main" id="{167ED233-84F1-4E3D-80EC-5399F592E5F1}"/>
-              </a:ext>
-            </a:extLst>
-          </p:cNvPr>
-          <p:cNvSpPr txBox="1"/>
-          <p:nvPr/>
-        </p:nvSpPr>
-        <p:spPr>
-          <a:xfrm>
-            <a:off x="4367487" y="1095635"/>
-            <a:ext cx="512641" cy="369332"/>
-          </a:xfrm>
-          <a:prstGeom prst="rect">
-            <a:avLst/>
-          </a:prstGeom>
-          <a:noFill/>
-        </p:spPr>
-        <p:txBody>
-          <a:bodyPr wrap="none" rtlCol="0">
-            <a:spAutoFit/>
-          </a:bodyPr>
-          <a:lstStyle/>
-          <a:p>
-            <a:r>
-              <a:rPr lang="en-US" dirty="0"/>
-              <a:t>YES</a:t>
-            </a:r>
-          </a:p>
-        </p:txBody>
-      </p:sp>
-      <p:sp>
-        <p:nvSpPr>
-          <p:cNvPr id="56" name="TextBox 55">
-            <a:extLst>
-              <a:ext uri="{FF2B5EF4-FFF2-40B4-BE49-F238E27FC236}">
-                <a16:creationId xmlns:a16="http://schemas.microsoft.com/office/drawing/2014/main" id="{B7988994-C1BA-43C1-9C46-6FE5226722CF}"/>
-              </a:ext>
-            </a:extLst>
-          </p:cNvPr>
-          <p:cNvSpPr txBox="1"/>
-          <p:nvPr/>
-        </p:nvSpPr>
-        <p:spPr>
-          <a:xfrm>
-            <a:off x="4356233" y="2096697"/>
-            <a:ext cx="512641" cy="369332"/>
-          </a:xfrm>
-          <a:prstGeom prst="rect">
-            <a:avLst/>
-          </a:prstGeom>
-          <a:noFill/>
-        </p:spPr>
-        <p:txBody>
-          <a:bodyPr wrap="none" rtlCol="0">
-            <a:spAutoFit/>
-          </a:bodyPr>
-          <a:lstStyle/>
-          <a:p>
-            <a:r>
-              <a:rPr lang="en-US" dirty="0"/>
-              <a:t>YES</a:t>
-            </a:r>
-          </a:p>
-        </p:txBody>
-      </p:sp>
-      <p:sp>
-        <p:nvSpPr>
-          <p:cNvPr id="57" name="TextBox 56">
-            <a:extLst>
-              <a:ext uri="{FF2B5EF4-FFF2-40B4-BE49-F238E27FC236}">
-                <a16:creationId xmlns:a16="http://schemas.microsoft.com/office/drawing/2014/main" id="{E00140F3-3784-4D55-9B59-271D34C3D5BE}"/>
-              </a:ext>
-            </a:extLst>
-          </p:cNvPr>
-          <p:cNvSpPr txBox="1"/>
-          <p:nvPr/>
-        </p:nvSpPr>
-        <p:spPr>
-          <a:xfrm>
-            <a:off x="4354242" y="3234389"/>
-            <a:ext cx="512641" cy="369332"/>
-          </a:xfrm>
-          <a:prstGeom prst="rect">
-            <a:avLst/>
-          </a:prstGeom>
-          <a:noFill/>
-        </p:spPr>
-        <p:txBody>
-          <a:bodyPr wrap="none" rtlCol="0">
-            <a:spAutoFit/>
-          </a:bodyPr>
-          <a:lstStyle/>
-          <a:p>
-            <a:r>
-              <a:rPr lang="en-US" dirty="0"/>
-              <a:t>YES</a:t>
-            </a:r>
-          </a:p>
-        </p:txBody>
-      </p:sp>
-      <p:sp>
-        <p:nvSpPr>
-          <p:cNvPr id="58" name="TextBox 57">
-            <a:extLst>
-              <a:ext uri="{FF2B5EF4-FFF2-40B4-BE49-F238E27FC236}">
-                <a16:creationId xmlns:a16="http://schemas.microsoft.com/office/drawing/2014/main" id="{B02917F4-1990-4E60-B4D3-B515D95DA2CD}"/>
-              </a:ext>
-            </a:extLst>
-          </p:cNvPr>
-          <p:cNvSpPr txBox="1"/>
-          <p:nvPr/>
-        </p:nvSpPr>
-        <p:spPr>
-          <a:xfrm>
-            <a:off x="4356232" y="4040143"/>
-            <a:ext cx="512641" cy="369332"/>
-          </a:xfrm>
-          <a:prstGeom prst="rect">
-            <a:avLst/>
-          </a:prstGeom>
-          <a:noFill/>
-        </p:spPr>
-        <p:txBody>
-          <a:bodyPr wrap="none" rtlCol="0">
-            <a:spAutoFit/>
-          </a:bodyPr>
-          <a:lstStyle/>
-          <a:p>
-            <a:r>
-              <a:rPr lang="en-US" dirty="0"/>
-              <a:t>YES</a:t>
-            </a:r>
-          </a:p>
-        </p:txBody>
-      </p:sp>
-      <p:sp>
-        <p:nvSpPr>
-          <p:cNvPr id="65" name="Rectangle 64">
-            <a:extLst>
-              <a:ext uri="{FF2B5EF4-FFF2-40B4-BE49-F238E27FC236}">
-                <a16:creationId xmlns:a16="http://schemas.microsoft.com/office/drawing/2014/main" id="{D19DF8B5-D942-4A7B-ABF5-463748755EA2}"/>
-              </a:ext>
-            </a:extLst>
-          </p:cNvPr>
-          <p:cNvSpPr/>
-          <p:nvPr/>
-        </p:nvSpPr>
-        <p:spPr>
-          <a:xfrm>
-            <a:off x="6710656" y="3835239"/>
-            <a:ext cx="2750340" cy="671274"/>
-          </a:xfrm>
-          <a:prstGeom prst="rect">
-            <a:avLst/>
-          </a:prstGeom>
-        </p:spPr>
-        <p:style>
-          <a:lnRef idx="2">
-            <a:schemeClr val="dk1"/>
-          </a:lnRef>
-          <a:fillRef idx="1">
-            <a:schemeClr val="lt1"/>
-          </a:fillRef>
-          <a:effectRef idx="0">
-            <a:schemeClr val="dk1"/>
-          </a:effectRef>
-          <a:fontRef idx="minor">
-            <a:schemeClr val="dk1"/>
-          </a:fontRef>
-        </p:style>
-        <p:txBody>
-          <a:bodyPr rtlCol="0" anchor="ctr"/>
-          <a:lstStyle/>
-          <a:p>
-            <a:pPr algn="ctr"/>
-            <a:r>
-              <a:rPr lang="en-US" dirty="0"/>
-              <a:t>Single Community?</a:t>
-            </a:r>
-          </a:p>
-        </p:txBody>
-      </p:sp>
       <p:cxnSp>
         <p:nvCxnSpPr>
-          <p:cNvPr id="66" name="Straight Arrow Connector 65">
-            <a:extLst>
-              <a:ext uri="{FF2B5EF4-FFF2-40B4-BE49-F238E27FC236}">
-                <a16:creationId xmlns:a16="http://schemas.microsoft.com/office/drawing/2014/main" id="{E290E19F-7B4E-40B4-A2AC-EA537E51ABCB}"/>
+          <p:cNvPr id="17" name="Straight Arrow Connector 16">
+            <a:extLst>
+              <a:ext uri="{FF2B5EF4-FFF2-40B4-BE49-F238E27FC236}">
+                <a16:creationId xmlns:a16="http://schemas.microsoft.com/office/drawing/2014/main" id="{DF9F7A0C-D793-48EC-808E-A7E2A83C5F42}"/>
               </a:ext>
             </a:extLst>
           </p:cNvPr>
           <p:cNvCxnSpPr>
             <a:cxnSpLocks/>
-            <a:stCxn id="65" idx="3"/>
-            <a:endCxn id="10" idx="3"/>
+            <a:stCxn id="8" idx="3"/>
+            <a:endCxn id="10" idx="2"/>
           </p:cNvCxnSpPr>
           <p:nvPr/>
         </p:nvCxnSpPr>
         <p:spPr>
-          <a:xfrm flipV="1">
-            <a:off x="9460996" y="1745301"/>
-            <a:ext cx="983383" cy="2425575"/>
+          <a:xfrm>
+            <a:off x="3400085" y="3045546"/>
+            <a:ext cx="6373427" cy="335784"/>
           </a:xfrm>
           <a:prstGeom prst="straightConnector1">
             <a:avLst/>
@@ -4963,24 +4402,23 @@
       </p:cxnSp>
       <p:cxnSp>
         <p:nvCxnSpPr>
-          <p:cNvPr id="76" name="Straight Arrow Connector 75">
-            <a:extLst>
-              <a:ext uri="{FF2B5EF4-FFF2-40B4-BE49-F238E27FC236}">
-                <a16:creationId xmlns:a16="http://schemas.microsoft.com/office/drawing/2014/main" id="{AF00E01D-62C1-4A47-8693-7D4E41958F31}"/>
+          <p:cNvPr id="19" name="Straight Arrow Connector 18">
+            <a:extLst>
+              <a:ext uri="{FF2B5EF4-FFF2-40B4-BE49-F238E27FC236}">
+                <a16:creationId xmlns:a16="http://schemas.microsoft.com/office/drawing/2014/main" id="{0CCBE64F-3CA1-40AB-AD8E-EFD308C94B01}"/>
               </a:ext>
             </a:extLst>
           </p:cNvPr>
           <p:cNvCxnSpPr>
             <a:cxnSpLocks/>
-            <a:stCxn id="65" idx="0"/>
-            <a:endCxn id="11" idx="4"/>
+            <a:stCxn id="9" idx="3"/>
           </p:cNvCxnSpPr>
           <p:nvPr/>
         </p:nvCxnSpPr>
         <p:spPr>
           <a:xfrm flipV="1">
-            <a:off x="8085826" y="2930314"/>
-            <a:ext cx="235786" cy="904925"/>
+            <a:off x="3400085" y="3519395"/>
+            <a:ext cx="6411095" cy="649280"/>
           </a:xfrm>
           <a:prstGeom prst="straightConnector1">
             <a:avLst/>
@@ -5004,12 +4442,277 @@
           </a:fontRef>
         </p:style>
       </p:cxnSp>
-      <p:sp>
-        <p:nvSpPr>
-          <p:cNvPr id="97" name="TextBox 96">
-            <a:extLst>
-              <a:ext uri="{FF2B5EF4-FFF2-40B4-BE49-F238E27FC236}">
-                <a16:creationId xmlns:a16="http://schemas.microsoft.com/office/drawing/2014/main" id="{972E7452-33D7-425F-A451-AB65BA0ECBCB}"/>
+      <p:cxnSp>
+        <p:nvCxnSpPr>
+          <p:cNvPr id="27" name="Straight Arrow Connector 26">
+            <a:extLst>
+              <a:ext uri="{FF2B5EF4-FFF2-40B4-BE49-F238E27FC236}">
+                <a16:creationId xmlns:a16="http://schemas.microsoft.com/office/drawing/2014/main" id="{333AE22E-1A2E-4C11-B1D1-A69C1E5E1D17}"/>
+              </a:ext>
+            </a:extLst>
+          </p:cNvPr>
+          <p:cNvCxnSpPr>
+            <a:cxnSpLocks/>
+            <a:stCxn id="6" idx="3"/>
+          </p:cNvCxnSpPr>
+          <p:nvPr/>
+        </p:nvCxnSpPr>
+        <p:spPr>
+          <a:xfrm>
+            <a:off x="3400085" y="1852367"/>
+            <a:ext cx="6503769" cy="1324809"/>
+          </a:xfrm>
+          <a:prstGeom prst="straightConnector1">
+            <a:avLst/>
+          </a:prstGeom>
+          <a:ln w="50800">
+            <a:tailEnd type="triangle"/>
+          </a:ln>
+        </p:spPr>
+        <p:style>
+          <a:lnRef idx="1">
+            <a:schemeClr val="dk1"/>
+          </a:lnRef>
+          <a:fillRef idx="0">
+            <a:schemeClr val="dk1"/>
+          </a:fillRef>
+          <a:effectRef idx="0">
+            <a:schemeClr val="dk1"/>
+          </a:effectRef>
+          <a:fontRef idx="minor">
+            <a:schemeClr val="tx1"/>
+          </a:fontRef>
+        </p:style>
+      </p:cxnSp>
+      <p:cxnSp>
+        <p:nvCxnSpPr>
+          <p:cNvPr id="31" name="Straight Arrow Connector 30">
+            <a:extLst>
+              <a:ext uri="{FF2B5EF4-FFF2-40B4-BE49-F238E27FC236}">
+                <a16:creationId xmlns:a16="http://schemas.microsoft.com/office/drawing/2014/main" id="{0B6AB36B-AC5C-410D-9BF1-58F623B77737}"/>
+              </a:ext>
+            </a:extLst>
+          </p:cNvPr>
+          <p:cNvCxnSpPr>
+            <a:cxnSpLocks/>
+            <a:stCxn id="6" idx="2"/>
+            <a:endCxn id="8" idx="0"/>
+          </p:cNvCxnSpPr>
+          <p:nvPr/>
+        </p:nvCxnSpPr>
+        <p:spPr>
+          <a:xfrm>
+            <a:off x="1906105" y="2227207"/>
+            <a:ext cx="0" cy="443498"/>
+          </a:xfrm>
+          <a:prstGeom prst="straightConnector1">
+            <a:avLst/>
+          </a:prstGeom>
+          <a:ln w="50800">
+            <a:tailEnd type="triangle"/>
+          </a:ln>
+        </p:spPr>
+        <p:style>
+          <a:lnRef idx="1">
+            <a:schemeClr val="dk1"/>
+          </a:lnRef>
+          <a:fillRef idx="0">
+            <a:schemeClr val="dk1"/>
+          </a:fillRef>
+          <a:effectRef idx="0">
+            <a:schemeClr val="dk1"/>
+          </a:effectRef>
+          <a:fontRef idx="minor">
+            <a:schemeClr val="tx1"/>
+          </a:fontRef>
+        </p:style>
+      </p:cxnSp>
+      <p:cxnSp>
+        <p:nvCxnSpPr>
+          <p:cNvPr id="34" name="Straight Arrow Connector 33">
+            <a:extLst>
+              <a:ext uri="{FF2B5EF4-FFF2-40B4-BE49-F238E27FC236}">
+                <a16:creationId xmlns:a16="http://schemas.microsoft.com/office/drawing/2014/main" id="{D82A5A3F-F3D7-4E94-928A-F8FF32434E4A}"/>
+              </a:ext>
+            </a:extLst>
+          </p:cNvPr>
+          <p:cNvCxnSpPr>
+            <a:cxnSpLocks/>
+            <a:stCxn id="8" idx="2"/>
+            <a:endCxn id="9" idx="0"/>
+          </p:cNvCxnSpPr>
+          <p:nvPr/>
+        </p:nvCxnSpPr>
+        <p:spPr>
+          <a:xfrm>
+            <a:off x="1906104" y="3420387"/>
+            <a:ext cx="0" cy="373447"/>
+          </a:xfrm>
+          <a:prstGeom prst="straightConnector1">
+            <a:avLst/>
+          </a:prstGeom>
+          <a:ln w="50800">
+            <a:tailEnd type="triangle"/>
+          </a:ln>
+        </p:spPr>
+        <p:style>
+          <a:lnRef idx="1">
+            <a:schemeClr val="dk1"/>
+          </a:lnRef>
+          <a:fillRef idx="0">
+            <a:schemeClr val="dk1"/>
+          </a:fillRef>
+          <a:effectRef idx="0">
+            <a:schemeClr val="dk1"/>
+          </a:effectRef>
+          <a:fontRef idx="minor">
+            <a:schemeClr val="tx1"/>
+          </a:fontRef>
+        </p:style>
+      </p:cxnSp>
+      <p:cxnSp>
+        <p:nvCxnSpPr>
+          <p:cNvPr id="38" name="Straight Arrow Connector 37">
+            <a:extLst>
+              <a:ext uri="{FF2B5EF4-FFF2-40B4-BE49-F238E27FC236}">
+                <a16:creationId xmlns:a16="http://schemas.microsoft.com/office/drawing/2014/main" id="{0F9BD237-68F6-4835-987F-B55019FE4C12}"/>
+              </a:ext>
+            </a:extLst>
+          </p:cNvPr>
+          <p:cNvCxnSpPr>
+            <a:cxnSpLocks/>
+            <a:stCxn id="9" idx="2"/>
+            <a:endCxn id="35" idx="0"/>
+          </p:cNvCxnSpPr>
+          <p:nvPr/>
+        </p:nvCxnSpPr>
+        <p:spPr>
+          <a:xfrm>
+            <a:off x="1906104" y="4543515"/>
+            <a:ext cx="0" cy="373447"/>
+          </a:xfrm>
+          <a:prstGeom prst="straightConnector1">
+            <a:avLst/>
+          </a:prstGeom>
+          <a:ln w="50800">
+            <a:tailEnd type="triangle"/>
+          </a:ln>
+        </p:spPr>
+        <p:style>
+          <a:lnRef idx="1">
+            <a:schemeClr val="dk1"/>
+          </a:lnRef>
+          <a:fillRef idx="0">
+            <a:schemeClr val="dk1"/>
+          </a:fillRef>
+          <a:effectRef idx="0">
+            <a:schemeClr val="dk1"/>
+          </a:effectRef>
+          <a:fontRef idx="minor">
+            <a:schemeClr val="tx1"/>
+          </a:fontRef>
+        </p:style>
+      </p:cxnSp>
+      <p:sp>
+        <p:nvSpPr>
+          <p:cNvPr id="43" name="Rectangle 42">
+            <a:extLst>
+              <a:ext uri="{FF2B5EF4-FFF2-40B4-BE49-F238E27FC236}">
+                <a16:creationId xmlns:a16="http://schemas.microsoft.com/office/drawing/2014/main" id="{F9CE5C75-85ED-40AD-9D44-E6D12988B9F9}"/>
+              </a:ext>
+            </a:extLst>
+          </p:cNvPr>
+          <p:cNvSpPr/>
+          <p:nvPr/>
+        </p:nvSpPr>
+        <p:spPr>
+          <a:xfrm>
+            <a:off x="3720463" y="5749367"/>
+            <a:ext cx="2987961" cy="749681"/>
+          </a:xfrm>
+          <a:prstGeom prst="rect">
+            <a:avLst/>
+          </a:prstGeom>
+          <a:ln>
+            <a:solidFill>
+              <a:schemeClr val="bg1"/>
+            </a:solidFill>
+          </a:ln>
+        </p:spPr>
+        <p:style>
+          <a:lnRef idx="2">
+            <a:schemeClr val="dk1"/>
+          </a:lnRef>
+          <a:fillRef idx="1">
+            <a:schemeClr val="lt1"/>
+          </a:fillRef>
+          <a:effectRef idx="0">
+            <a:schemeClr val="dk1"/>
+          </a:effectRef>
+          <a:fontRef idx="minor">
+            <a:schemeClr val="dk1"/>
+          </a:fontRef>
+        </p:style>
+        <p:txBody>
+          <a:bodyPr rtlCol="0" anchor="ctr"/>
+          <a:lstStyle/>
+          <a:p>
+            <a:pPr algn="ctr"/>
+            <a:r>
+              <a:rPr lang="en-US" dirty="0"/>
+              <a:t>No Current Infrastructure</a:t>
+            </a:r>
+          </a:p>
+        </p:txBody>
+      </p:sp>
+      <p:cxnSp>
+        <p:nvCxnSpPr>
+          <p:cNvPr id="44" name="Straight Arrow Connector 43">
+            <a:extLst>
+              <a:ext uri="{FF2B5EF4-FFF2-40B4-BE49-F238E27FC236}">
+                <a16:creationId xmlns:a16="http://schemas.microsoft.com/office/drawing/2014/main" id="{6610F051-F416-484D-AC41-339C0AB2F55F}"/>
+              </a:ext>
+            </a:extLst>
+          </p:cNvPr>
+          <p:cNvCxnSpPr>
+            <a:cxnSpLocks/>
+            <a:endCxn id="12" idx="2"/>
+          </p:cNvCxnSpPr>
+          <p:nvPr/>
+        </p:nvCxnSpPr>
+        <p:spPr>
+          <a:xfrm flipV="1">
+            <a:off x="1861398" y="5792250"/>
+            <a:ext cx="7949782" cy="320139"/>
+          </a:xfrm>
+          <a:prstGeom prst="straightConnector1">
+            <a:avLst/>
+          </a:prstGeom>
+          <a:ln w="50800">
+            <a:tailEnd type="triangle"/>
+          </a:ln>
+        </p:spPr>
+        <p:style>
+          <a:lnRef idx="1">
+            <a:schemeClr val="dk1"/>
+          </a:lnRef>
+          <a:fillRef idx="0">
+            <a:schemeClr val="dk1"/>
+          </a:fillRef>
+          <a:effectRef idx="0">
+            <a:schemeClr val="dk1"/>
+          </a:effectRef>
+          <a:fontRef idx="minor">
+            <a:schemeClr val="tx1"/>
+          </a:fontRef>
+        </p:style>
+      </p:cxnSp>
+      <p:sp>
+        <p:nvSpPr>
+          <p:cNvPr id="55" name="TextBox 54">
+            <a:extLst>
+              <a:ext uri="{FF2B5EF4-FFF2-40B4-BE49-F238E27FC236}">
+                <a16:creationId xmlns:a16="http://schemas.microsoft.com/office/drawing/2014/main" id="{167ED233-84F1-4E3D-80EC-5399F592E5F1}"/>
               </a:ext>
             </a:extLst>
           </p:cNvPr>
@@ -5018,8 +4721,8 @@
         </p:nvSpPr>
         <p:spPr>
           <a:xfrm>
-            <a:off x="9547575" y="3713614"/>
-            <a:ext cx="512641" cy="369332"/>
+            <a:off x="3715582" y="389306"/>
+            <a:ext cx="556932" cy="412471"/>
           </a:xfrm>
           <a:prstGeom prst="rect">
             <a:avLst/>
@@ -5041,10 +4744,10 @@
       </p:sp>
       <p:sp>
         <p:nvSpPr>
-          <p:cNvPr id="98" name="TextBox 97">
-            <a:extLst>
-              <a:ext uri="{FF2B5EF4-FFF2-40B4-BE49-F238E27FC236}">
-                <a16:creationId xmlns:a16="http://schemas.microsoft.com/office/drawing/2014/main" id="{94003A2A-80CC-48DB-806B-708B12ADAC09}"/>
+          <p:cNvPr id="56" name="TextBox 55">
+            <a:extLst>
+              <a:ext uri="{FF2B5EF4-FFF2-40B4-BE49-F238E27FC236}">
+                <a16:creationId xmlns:a16="http://schemas.microsoft.com/office/drawing/2014/main" id="{B7988994-C1BA-43C1-9C46-6FE5226722CF}"/>
               </a:ext>
             </a:extLst>
           </p:cNvPr>
@@ -5053,8 +4756,8 @@
         </p:nvSpPr>
         <p:spPr>
           <a:xfrm>
-            <a:off x="8244952" y="3128565"/>
-            <a:ext cx="512641" cy="369332"/>
+            <a:off x="3703356" y="1582485"/>
+            <a:ext cx="556932" cy="412471"/>
           </a:xfrm>
           <a:prstGeom prst="rect">
             <a:avLst/>
@@ -5062,152 +4765,85 @@
           <a:noFill/>
         </p:spPr>
         <p:txBody>
-          <a:bodyPr wrap="square" rtlCol="0">
+          <a:bodyPr wrap="none" rtlCol="0">
             <a:spAutoFit/>
           </a:bodyPr>
           <a:lstStyle/>
           <a:p>
             <a:r>
               <a:rPr lang="en-US" dirty="0"/>
-              <a:t>NO</a:t>
-            </a:r>
-          </a:p>
-        </p:txBody>
-      </p:sp>
-      <p:sp>
-        <p:nvSpPr>
-          <p:cNvPr id="32" name="Slide Number Placeholder 3">
-            <a:extLst>
-              <a:ext uri="{FF2B5EF4-FFF2-40B4-BE49-F238E27FC236}">
-                <a16:creationId xmlns:a16="http://schemas.microsoft.com/office/drawing/2014/main" id="{70CD743C-9692-48CC-B2A9-46AFA6C46D63}"/>
-              </a:ext>
-            </a:extLst>
-          </p:cNvPr>
-          <p:cNvSpPr txBox="1">
-            <a:spLocks/>
-          </p:cNvSpPr>
+              <a:t>YES</a:t>
+            </a:r>
+          </a:p>
+        </p:txBody>
+      </p:sp>
+      <p:sp>
+        <p:nvSpPr>
+          <p:cNvPr id="57" name="TextBox 56">
+            <a:extLst>
+              <a:ext uri="{FF2B5EF4-FFF2-40B4-BE49-F238E27FC236}">
+                <a16:creationId xmlns:a16="http://schemas.microsoft.com/office/drawing/2014/main" id="{E00140F3-3784-4D55-9B59-271D34C3D5BE}"/>
+              </a:ext>
+            </a:extLst>
+          </p:cNvPr>
+          <p:cNvSpPr txBox="1"/>
           <p:nvPr/>
         </p:nvSpPr>
         <p:spPr>
           <a:xfrm>
-            <a:off x="8610600" y="5380935"/>
-            <a:ext cx="2743200" cy="365125"/>
+            <a:off x="3715582" y="2775664"/>
+            <a:ext cx="556932" cy="412471"/>
           </a:xfrm>
           <a:prstGeom prst="rect">
             <a:avLst/>
           </a:prstGeom>
+          <a:noFill/>
         </p:spPr>
         <p:txBody>
-          <a:bodyPr vert="horz" lIns="91440" tIns="45720" rIns="91440" bIns="45720" rtlCol="0" anchor="ctr"/>
-          <a:lstStyle>
-            <a:defPPr>
-              <a:defRPr lang="en-US"/>
-            </a:defPPr>
-            <a:lvl1pPr marL="0" algn="r" defTabSz="914400" rtl="0" eaLnBrk="1" latinLnBrk="0" hangingPunct="1">
-              <a:defRPr sz="1200" kern="1200">
-                <a:solidFill>
-                  <a:schemeClr val="tx1">
-                    <a:tint val="75000"/>
-                  </a:schemeClr>
-                </a:solidFill>
-                <a:latin typeface="+mn-lt"/>
-                <a:ea typeface="+mn-ea"/>
-                <a:cs typeface="+mn-cs"/>
-              </a:defRPr>
-            </a:lvl1pPr>
-            <a:lvl2pPr marL="457200" algn="l" defTabSz="914400" rtl="0" eaLnBrk="1" latinLnBrk="0" hangingPunct="1">
-              <a:defRPr sz="1800" kern="1200">
-                <a:solidFill>
-                  <a:schemeClr val="tx1"/>
-                </a:solidFill>
-                <a:latin typeface="+mn-lt"/>
-                <a:ea typeface="+mn-ea"/>
-                <a:cs typeface="+mn-cs"/>
-              </a:defRPr>
-            </a:lvl2pPr>
-            <a:lvl3pPr marL="914400" algn="l" defTabSz="914400" rtl="0" eaLnBrk="1" latinLnBrk="0" hangingPunct="1">
-              <a:defRPr sz="1800" kern="1200">
-                <a:solidFill>
-                  <a:schemeClr val="tx1"/>
-                </a:solidFill>
-                <a:latin typeface="+mn-lt"/>
-                <a:ea typeface="+mn-ea"/>
-                <a:cs typeface="+mn-cs"/>
-              </a:defRPr>
-            </a:lvl3pPr>
-            <a:lvl4pPr marL="1371600" algn="l" defTabSz="914400" rtl="0" eaLnBrk="1" latinLnBrk="0" hangingPunct="1">
-              <a:defRPr sz="1800" kern="1200">
-                <a:solidFill>
-                  <a:schemeClr val="tx1"/>
-                </a:solidFill>
-                <a:latin typeface="+mn-lt"/>
-                <a:ea typeface="+mn-ea"/>
-                <a:cs typeface="+mn-cs"/>
-              </a:defRPr>
-            </a:lvl4pPr>
-            <a:lvl5pPr marL="1828800" algn="l" defTabSz="914400" rtl="0" eaLnBrk="1" latinLnBrk="0" hangingPunct="1">
-              <a:defRPr sz="1800" kern="1200">
-                <a:solidFill>
-                  <a:schemeClr val="tx1"/>
-                </a:solidFill>
-                <a:latin typeface="+mn-lt"/>
-                <a:ea typeface="+mn-ea"/>
-                <a:cs typeface="+mn-cs"/>
-              </a:defRPr>
-            </a:lvl5pPr>
-            <a:lvl6pPr marL="2286000" algn="l" defTabSz="914400" rtl="0" eaLnBrk="1" latinLnBrk="0" hangingPunct="1">
-              <a:defRPr sz="1800" kern="1200">
-                <a:solidFill>
-                  <a:schemeClr val="tx1"/>
-                </a:solidFill>
-                <a:latin typeface="+mn-lt"/>
-                <a:ea typeface="+mn-ea"/>
-                <a:cs typeface="+mn-cs"/>
-              </a:defRPr>
-            </a:lvl6pPr>
-            <a:lvl7pPr marL="2743200" algn="l" defTabSz="914400" rtl="0" eaLnBrk="1" latinLnBrk="0" hangingPunct="1">
-              <a:defRPr sz="1800" kern="1200">
-                <a:solidFill>
-                  <a:schemeClr val="tx1"/>
-                </a:solidFill>
-                <a:latin typeface="+mn-lt"/>
-                <a:ea typeface="+mn-ea"/>
-                <a:cs typeface="+mn-cs"/>
-              </a:defRPr>
-            </a:lvl7pPr>
-            <a:lvl8pPr marL="3200400" algn="l" defTabSz="914400" rtl="0" eaLnBrk="1" latinLnBrk="0" hangingPunct="1">
-              <a:defRPr sz="1800" kern="1200">
-                <a:solidFill>
-                  <a:schemeClr val="tx1"/>
-                </a:solidFill>
-                <a:latin typeface="+mn-lt"/>
-                <a:ea typeface="+mn-ea"/>
-                <a:cs typeface="+mn-cs"/>
-              </a:defRPr>
-            </a:lvl8pPr>
-            <a:lvl9pPr marL="3657600" algn="l" defTabSz="914400" rtl="0" eaLnBrk="1" latinLnBrk="0" hangingPunct="1">
-              <a:defRPr sz="1800" kern="1200">
-                <a:solidFill>
-                  <a:schemeClr val="tx1"/>
-                </a:solidFill>
-                <a:latin typeface="+mn-lt"/>
-                <a:ea typeface="+mn-ea"/>
-                <a:cs typeface="+mn-cs"/>
-              </a:defRPr>
-            </a:lvl9pPr>
-          </a:lstStyle>
-          <a:p>
-            <a:pPr>
-              <a:defRPr/>
-            </a:pPr>
-            <a:fld id="{336892F5-F7A2-420A-8BF3-D2A2054912B1}" type="slidenum">
-              <a:rPr lang="en-US" smtClean="0"/>
-              <a:pPr>
-                <a:defRPr/>
-              </a:pPr>
-              <a:t>1</a:t>
-            </a:fld>
-            <a:endParaRPr lang="en-US"/>
+          <a:bodyPr wrap="none" rtlCol="0">
+            <a:spAutoFit/>
+          </a:bodyPr>
+          <a:lstStyle/>
+          <a:p>
+            <a:r>
+              <a:rPr lang="en-US" dirty="0"/>
+              <a:t>YES</a:t>
+            </a:r>
+          </a:p>
+        </p:txBody>
+      </p:sp>
+      <p:sp>
+        <p:nvSpPr>
+          <p:cNvPr id="58" name="TextBox 57">
+            <a:extLst>
+              <a:ext uri="{FF2B5EF4-FFF2-40B4-BE49-F238E27FC236}">
+                <a16:creationId xmlns:a16="http://schemas.microsoft.com/office/drawing/2014/main" id="{B02917F4-1990-4E60-B4D3-B515D95DA2CD}"/>
+              </a:ext>
+            </a:extLst>
+          </p:cNvPr>
+          <p:cNvSpPr txBox="1"/>
+          <p:nvPr/>
+        </p:nvSpPr>
+        <p:spPr>
+          <a:xfrm>
+            <a:off x="3703355" y="3752933"/>
+            <a:ext cx="556932" cy="412471"/>
+          </a:xfrm>
+          <a:prstGeom prst="rect">
+            <a:avLst/>
+          </a:prstGeom>
+          <a:noFill/>
+        </p:spPr>
+        <p:txBody>
+          <a:bodyPr wrap="none" rtlCol="0">
+            <a:spAutoFit/>
+          </a:bodyPr>
+          <a:lstStyle/>
+          <a:p>
+            <a:r>
+              <a:rPr lang="en-US" dirty="0"/>
+              <a:t>YES</a:t>
+            </a:r>
           </a:p>
         </p:txBody>
       </p:sp>
@@ -5225,8 +4861,8 @@
         </p:nvSpPr>
         <p:spPr>
           <a:xfrm>
-            <a:off x="1326740" y="5082429"/>
-            <a:ext cx="2750340" cy="671274"/>
+            <a:off x="412124" y="4916962"/>
+            <a:ext cx="2987961" cy="749681"/>
           </a:xfrm>
           <a:prstGeom prst="rect">
             <a:avLst/>
@@ -5272,8 +4908,8 @@
         </p:nvSpPr>
         <p:spPr>
           <a:xfrm>
-            <a:off x="4361469" y="4980593"/>
-            <a:ext cx="512641" cy="369332"/>
+            <a:off x="3709044" y="4803231"/>
+            <a:ext cx="556932" cy="412471"/>
           </a:xfrm>
           <a:prstGeom prst="rect">
             <a:avLst/>
@@ -5310,8 +4946,8 @@
         </p:nvCxnSpPr>
         <p:spPr>
           <a:xfrm>
-            <a:off x="2701910" y="5753703"/>
-            <a:ext cx="0" cy="409708"/>
+            <a:off x="1906104" y="5666644"/>
+            <a:ext cx="0" cy="457564"/>
           </a:xfrm>
           <a:prstGeom prst="straightConnector1">
             <a:avLst/>
@@ -5347,14 +4983,55 @@
           <p:cNvCxnSpPr>
             <a:cxnSpLocks/>
             <a:stCxn id="35" idx="3"/>
-            <a:endCxn id="65" idx="2"/>
           </p:cNvCxnSpPr>
           <p:nvPr/>
         </p:nvCxnSpPr>
         <p:spPr>
           <a:xfrm flipV="1">
-            <a:off x="4077080" y="4506513"/>
-            <a:ext cx="4008746" cy="911553"/>
+            <a:off x="3400085" y="3644930"/>
+            <a:ext cx="6411095" cy="1646873"/>
+          </a:xfrm>
+          <a:prstGeom prst="straightConnector1">
+            <a:avLst/>
+          </a:prstGeom>
+          <a:ln w="50800">
+            <a:tailEnd type="triangle"/>
+          </a:ln>
+        </p:spPr>
+        <p:style>
+          <a:lnRef idx="1">
+            <a:schemeClr val="dk1"/>
+          </a:lnRef>
+          <a:fillRef idx="0">
+            <a:schemeClr val="dk1"/>
+          </a:fillRef>
+          <a:effectRef idx="0">
+            <a:schemeClr val="dk1"/>
+          </a:effectRef>
+          <a:fontRef idx="minor">
+            <a:schemeClr val="tx1"/>
+          </a:fontRef>
+        </p:style>
+      </p:cxnSp>
+      <p:cxnSp>
+        <p:nvCxnSpPr>
+          <p:cNvPr id="39" name="Straight Arrow Connector 38">
+            <a:extLst>
+              <a:ext uri="{FF2B5EF4-FFF2-40B4-BE49-F238E27FC236}">
+                <a16:creationId xmlns:a16="http://schemas.microsoft.com/office/drawing/2014/main" id="{98E67160-4C7A-4723-BDA5-5D1C71FBDA58}"/>
+              </a:ext>
+            </a:extLst>
+          </p:cNvPr>
+          <p:cNvCxnSpPr>
+            <a:cxnSpLocks/>
+            <a:endCxn id="10" idx="4"/>
+          </p:cNvCxnSpPr>
+          <p:nvPr/>
+        </p:nvCxnSpPr>
+        <p:spPr>
+          <a:xfrm flipV="1">
+            <a:off x="9407670" y="3941658"/>
+            <a:ext cx="1272681" cy="1923470"/>
           </a:xfrm>
           <a:prstGeom prst="straightConnector1">
             <a:avLst/>
